--- a/images/conseptual figure.pptx
+++ b/images/conseptual figure.pptx
@@ -254,7 +254,7 @@
           <a:p>
             <a:fld id="{71892F44-3777-477F-80B4-4D64DFD1DB0C}" type="datetimeFigureOut">
               <a:rPr lang="nb-NO" smtClean="0"/>
-              <a:t>29.02.2024</a:t>
+              <a:t>09.04.2024</a:t>
             </a:fld>
             <a:endParaRPr lang="nb-NO"/>
           </a:p>
@@ -424,7 +424,7 @@
           <a:p>
             <a:fld id="{71892F44-3777-477F-80B4-4D64DFD1DB0C}" type="datetimeFigureOut">
               <a:rPr lang="nb-NO" smtClean="0"/>
-              <a:t>29.02.2024</a:t>
+              <a:t>09.04.2024</a:t>
             </a:fld>
             <a:endParaRPr lang="nb-NO"/>
           </a:p>
@@ -604,7 +604,7 @@
           <a:p>
             <a:fld id="{71892F44-3777-477F-80B4-4D64DFD1DB0C}" type="datetimeFigureOut">
               <a:rPr lang="nb-NO" smtClean="0"/>
-              <a:t>29.02.2024</a:t>
+              <a:t>09.04.2024</a:t>
             </a:fld>
             <a:endParaRPr lang="nb-NO"/>
           </a:p>
@@ -774,7 +774,7 @@
           <a:p>
             <a:fld id="{71892F44-3777-477F-80B4-4D64DFD1DB0C}" type="datetimeFigureOut">
               <a:rPr lang="nb-NO" smtClean="0"/>
-              <a:t>29.02.2024</a:t>
+              <a:t>09.04.2024</a:t>
             </a:fld>
             <a:endParaRPr lang="nb-NO"/>
           </a:p>
@@ -1018,7 +1018,7 @@
           <a:p>
             <a:fld id="{71892F44-3777-477F-80B4-4D64DFD1DB0C}" type="datetimeFigureOut">
               <a:rPr lang="nb-NO" smtClean="0"/>
-              <a:t>29.02.2024</a:t>
+              <a:t>09.04.2024</a:t>
             </a:fld>
             <a:endParaRPr lang="nb-NO"/>
           </a:p>
@@ -1250,7 +1250,7 @@
           <a:p>
             <a:fld id="{71892F44-3777-477F-80B4-4D64DFD1DB0C}" type="datetimeFigureOut">
               <a:rPr lang="nb-NO" smtClean="0"/>
-              <a:t>29.02.2024</a:t>
+              <a:t>09.04.2024</a:t>
             </a:fld>
             <a:endParaRPr lang="nb-NO"/>
           </a:p>
@@ -1617,7 +1617,7 @@
           <a:p>
             <a:fld id="{71892F44-3777-477F-80B4-4D64DFD1DB0C}" type="datetimeFigureOut">
               <a:rPr lang="nb-NO" smtClean="0"/>
-              <a:t>29.02.2024</a:t>
+              <a:t>09.04.2024</a:t>
             </a:fld>
             <a:endParaRPr lang="nb-NO"/>
           </a:p>
@@ -1735,7 +1735,7 @@
           <a:p>
             <a:fld id="{71892F44-3777-477F-80B4-4D64DFD1DB0C}" type="datetimeFigureOut">
               <a:rPr lang="nb-NO" smtClean="0"/>
-              <a:t>29.02.2024</a:t>
+              <a:t>09.04.2024</a:t>
             </a:fld>
             <a:endParaRPr lang="nb-NO"/>
           </a:p>
@@ -1830,7 +1830,7 @@
           <a:p>
             <a:fld id="{71892F44-3777-477F-80B4-4D64DFD1DB0C}" type="datetimeFigureOut">
               <a:rPr lang="nb-NO" smtClean="0"/>
-              <a:t>29.02.2024</a:t>
+              <a:t>09.04.2024</a:t>
             </a:fld>
             <a:endParaRPr lang="nb-NO"/>
           </a:p>
@@ -2107,7 +2107,7 @@
           <a:p>
             <a:fld id="{71892F44-3777-477F-80B4-4D64DFD1DB0C}" type="datetimeFigureOut">
               <a:rPr lang="nb-NO" smtClean="0"/>
-              <a:t>29.02.2024</a:t>
+              <a:t>09.04.2024</a:t>
             </a:fld>
             <a:endParaRPr lang="nb-NO"/>
           </a:p>
@@ -2364,7 +2364,7 @@
           <a:p>
             <a:fld id="{71892F44-3777-477F-80B4-4D64DFD1DB0C}" type="datetimeFigureOut">
               <a:rPr lang="nb-NO" smtClean="0"/>
-              <a:t>29.02.2024</a:t>
+              <a:t>09.04.2024</a:t>
             </a:fld>
             <a:endParaRPr lang="nb-NO"/>
           </a:p>
@@ -2577,7 +2577,7 @@
           <a:p>
             <a:fld id="{71892F44-3777-477F-80B4-4D64DFD1DB0C}" type="datetimeFigureOut">
               <a:rPr lang="nb-NO" smtClean="0"/>
-              <a:t>29.02.2024</a:t>
+              <a:t>09.04.2024</a:t>
             </a:fld>
             <a:endParaRPr lang="nb-NO"/>
           </a:p>
@@ -3044,7 +3044,7 @@
         </p:blipFill>
         <p:spPr>
           <a:xfrm>
-            <a:off x="616490" y="3428999"/>
+            <a:off x="-2983177" y="29867"/>
             <a:ext cx="2563410" cy="3086101"/>
           </a:xfrm>
           <a:prstGeom prst="rect">
@@ -3216,112 +3216,98 @@
           </a:p>
         </p:txBody>
       </p:sp>
-      <p:pic>
-        <p:nvPicPr>
-          <p:cNvPr id="3" name="Picture 2" descr="A map of the area with orange squares&#10;&#10;Description automatically generated">
+      <p:grpSp>
+        <p:nvGrpSpPr>
+          <p:cNvPr id="14" name="Group 13">
             <a:extLst>
               <a:ext uri="{FF2B5EF4-FFF2-40B4-BE49-F238E27FC236}">
-                <a16:creationId xmlns:a16="http://schemas.microsoft.com/office/drawing/2014/main" id="{ADA36E3F-A43E-1DEB-D361-B4AF8D6C0EF1}"/>
+                <a16:creationId xmlns:a16="http://schemas.microsoft.com/office/drawing/2014/main" id="{452EBFFE-C9F6-AEB6-E99C-AC9A7B11748D}"/>
               </a:ext>
             </a:extLst>
           </p:cNvPr>
-          <p:cNvPicPr>
-            <a:picLocks noChangeAspect="1"/>
-          </p:cNvPicPr>
+          <p:cNvGrpSpPr/>
           <p:nvPr/>
-        </p:nvPicPr>
-        <p:blipFill>
-          <a:blip r:embed="rId6">
-            <a:extLst>
-              <a:ext uri="{28A0092B-C50C-407E-A947-70E740481C1C}">
-                <a14:useLocalDpi xmlns:a14="http://schemas.microsoft.com/office/drawing/2010/main" val="0"/>
-              </a:ext>
-            </a:extLst>
-          </a:blip>
-          <a:stretch>
-            <a:fillRect/>
-          </a:stretch>
-        </p:blipFill>
-        <p:spPr>
+        </p:nvGrpSpPr>
+        <p:grpSpPr>
           <a:xfrm>
-            <a:off x="281186" y="205190"/>
-            <a:ext cx="3152175" cy="3152175"/>
+            <a:off x="295383" y="3157887"/>
+            <a:ext cx="3190469" cy="3246495"/>
+            <a:chOff x="242892" y="110870"/>
+            <a:chExt cx="3190469" cy="3246495"/>
           </a:xfrm>
-          <a:prstGeom prst="rect">
-            <a:avLst/>
-          </a:prstGeom>
-        </p:spPr>
-      </p:pic>
-      <p:sp>
-        <p:nvSpPr>
-          <p:cNvPr id="4" name="TextBox 3">
-            <a:extLst>
-              <a:ext uri="{FF2B5EF4-FFF2-40B4-BE49-F238E27FC236}">
-                <a16:creationId xmlns:a16="http://schemas.microsoft.com/office/drawing/2014/main" id="{9BC6B26A-D27D-EEE2-3B8D-D16E152C6A60}"/>
-              </a:ext>
-            </a:extLst>
-          </p:cNvPr>
-          <p:cNvSpPr txBox="1"/>
-          <p:nvPr/>
-        </p:nvSpPr>
-        <p:spPr>
-          <a:xfrm>
-            <a:off x="253648" y="137311"/>
-            <a:ext cx="563358" cy="584775"/>
-          </a:xfrm>
-          <a:prstGeom prst="rect">
-            <a:avLst/>
-          </a:prstGeom>
-          <a:noFill/>
-        </p:spPr>
-        <p:txBody>
-          <a:bodyPr wrap="square" rtlCol="0">
-            <a:spAutoFit/>
-          </a:bodyPr>
-          <a:lstStyle/>
-          <a:p>
-            <a:r>
-              <a:rPr lang="nb-NO" sz="3200" dirty="0"/>
-              <a:t>B</a:t>
-            </a:r>
-          </a:p>
-        </p:txBody>
-      </p:sp>
-      <p:sp>
-        <p:nvSpPr>
-          <p:cNvPr id="6" name="TextBox 5">
-            <a:extLst>
-              <a:ext uri="{FF2B5EF4-FFF2-40B4-BE49-F238E27FC236}">
-                <a16:creationId xmlns:a16="http://schemas.microsoft.com/office/drawing/2014/main" id="{27018849-C172-35D2-8E53-6EA7792EAAB0}"/>
-              </a:ext>
-            </a:extLst>
-          </p:cNvPr>
-          <p:cNvSpPr txBox="1"/>
-          <p:nvPr/>
-        </p:nvSpPr>
-        <p:spPr>
-          <a:xfrm>
-            <a:off x="238408" y="3428999"/>
-            <a:ext cx="563358" cy="584775"/>
-          </a:xfrm>
-          <a:prstGeom prst="rect">
-            <a:avLst/>
-          </a:prstGeom>
-          <a:noFill/>
-        </p:spPr>
-        <p:txBody>
-          <a:bodyPr wrap="square" rtlCol="0">
-            <a:spAutoFit/>
-          </a:bodyPr>
-          <a:lstStyle/>
-          <a:p>
-            <a:r>
-              <a:rPr lang="nb-NO" sz="3200" dirty="0"/>
-              <a:t>A</a:t>
-            </a:r>
-          </a:p>
-        </p:txBody>
-      </p:sp>
+        </p:grpSpPr>
+        <p:pic>
+          <p:nvPicPr>
+            <p:cNvPr id="3" name="Picture 2" descr="A map of the area with orange squares&#10;&#10;Description automatically generated">
+              <a:extLst>
+                <a:ext uri="{FF2B5EF4-FFF2-40B4-BE49-F238E27FC236}">
+                  <a16:creationId xmlns:a16="http://schemas.microsoft.com/office/drawing/2014/main" id="{ADA36E3F-A43E-1DEB-D361-B4AF8D6C0EF1}"/>
+                </a:ext>
+              </a:extLst>
+            </p:cNvPr>
+            <p:cNvPicPr>
+              <a:picLocks noChangeAspect="1"/>
+            </p:cNvPicPr>
+            <p:nvPr/>
+          </p:nvPicPr>
+          <p:blipFill>
+            <a:blip r:embed="rId6">
+              <a:extLst>
+                <a:ext uri="{28A0092B-C50C-407E-A947-70E740481C1C}">
+                  <a14:useLocalDpi xmlns:a14="http://schemas.microsoft.com/office/drawing/2010/main" val="0"/>
+                </a:ext>
+              </a:extLst>
+            </a:blip>
+            <a:stretch>
+              <a:fillRect/>
+            </a:stretch>
+          </p:blipFill>
+          <p:spPr>
+            <a:xfrm>
+              <a:off x="281186" y="205190"/>
+              <a:ext cx="3152175" cy="3152175"/>
+            </a:xfrm>
+            <a:prstGeom prst="rect">
+              <a:avLst/>
+            </a:prstGeom>
+          </p:spPr>
+        </p:pic>
+        <p:sp>
+          <p:nvSpPr>
+            <p:cNvPr id="4" name="TextBox 3">
+              <a:extLst>
+                <a:ext uri="{FF2B5EF4-FFF2-40B4-BE49-F238E27FC236}">
+                  <a16:creationId xmlns:a16="http://schemas.microsoft.com/office/drawing/2014/main" id="{9BC6B26A-D27D-EEE2-3B8D-D16E152C6A60}"/>
+                </a:ext>
+              </a:extLst>
+            </p:cNvPr>
+            <p:cNvSpPr txBox="1"/>
+            <p:nvPr/>
+          </p:nvSpPr>
+          <p:spPr>
+            <a:xfrm>
+              <a:off x="242892" y="110870"/>
+              <a:ext cx="563358" cy="584775"/>
+            </a:xfrm>
+            <a:prstGeom prst="rect">
+              <a:avLst/>
+            </a:prstGeom>
+            <a:noFill/>
+          </p:spPr>
+          <p:txBody>
+            <a:bodyPr wrap="square" rtlCol="0">
+              <a:spAutoFit/>
+            </a:bodyPr>
+            <a:lstStyle/>
+            <a:p>
+              <a:r>
+                <a:rPr lang="nb-NO" sz="3200" dirty="0"/>
+                <a:t>B</a:t>
+              </a:r>
+            </a:p>
+          </p:txBody>
+        </p:sp>
+      </p:grpSp>
       <p:sp>
         <p:nvSpPr>
           <p:cNvPr id="7" name="Right Brace 6">
@@ -3475,6 +3461,70 @@
             <a:r>
               <a:rPr lang="nb-NO" sz="3200" dirty="0"/>
               <a:t>E</a:t>
+            </a:r>
+          </a:p>
+        </p:txBody>
+      </p:sp>
+      <p:pic>
+        <p:nvPicPr>
+          <p:cNvPr id="12" name="Picture 11">
+            <a:extLst>
+              <a:ext uri="{FF2B5EF4-FFF2-40B4-BE49-F238E27FC236}">
+                <a16:creationId xmlns:a16="http://schemas.microsoft.com/office/drawing/2014/main" id="{B61C58DB-5550-FAA4-FC6D-8BA106CD022D}"/>
+              </a:ext>
+            </a:extLst>
+          </p:cNvPr>
+          <p:cNvPicPr>
+            <a:picLocks noChangeAspect="1"/>
+          </p:cNvPicPr>
+          <p:nvPr/>
+        </p:nvPicPr>
+        <p:blipFill rotWithShape="1">
+          <a:blip r:embed="rId7"/>
+          <a:srcRect t="11720"/>
+          <a:stretch/>
+        </p:blipFill>
+        <p:spPr>
+          <a:xfrm>
+            <a:off x="639893" y="339213"/>
+            <a:ext cx="2511197" cy="2876369"/>
+          </a:xfrm>
+          <a:prstGeom prst="rect">
+            <a:avLst/>
+          </a:prstGeom>
+        </p:spPr>
+      </p:pic>
+      <p:sp>
+        <p:nvSpPr>
+          <p:cNvPr id="6" name="TextBox 5">
+            <a:extLst>
+              <a:ext uri="{FF2B5EF4-FFF2-40B4-BE49-F238E27FC236}">
+                <a16:creationId xmlns:a16="http://schemas.microsoft.com/office/drawing/2014/main" id="{27018849-C172-35D2-8E53-6EA7792EAAB0}"/>
+              </a:ext>
+            </a:extLst>
+          </p:cNvPr>
+          <p:cNvSpPr txBox="1"/>
+          <p:nvPr/>
+        </p:nvSpPr>
+        <p:spPr>
+          <a:xfrm>
+            <a:off x="303293" y="203779"/>
+            <a:ext cx="563358" cy="584775"/>
+          </a:xfrm>
+          <a:prstGeom prst="rect">
+            <a:avLst/>
+          </a:prstGeom>
+          <a:noFill/>
+        </p:spPr>
+        <p:txBody>
+          <a:bodyPr wrap="square" rtlCol="0">
+            <a:spAutoFit/>
+          </a:bodyPr>
+          <a:lstStyle/>
+          <a:p>
+            <a:r>
+              <a:rPr lang="nb-NO" sz="3200" dirty="0"/>
+              <a:t>A</a:t>
             </a:r>
           </a:p>
         </p:txBody>

--- a/images/conseptual figure.pptx
+++ b/images/conseptual figure.pptx
@@ -3054,7 +3054,7 @@
       </p:pic>
       <p:pic>
         <p:nvPicPr>
-          <p:cNvPr id="13" name="Picture 12" descr="A diagram of a number of indicators&#10;&#10;Description automatically generated">
+          <p:cNvPr id="13" name="Picture 12">
             <a:extLst>
               <a:ext uri="{FF2B5EF4-FFF2-40B4-BE49-F238E27FC236}">
                 <a16:creationId xmlns:a16="http://schemas.microsoft.com/office/drawing/2014/main" id="{39D3B1AB-4280-62E7-DAE1-70230C9D6E3F}"/>
@@ -3074,9 +3074,8 @@
               </a:ext>
             </a:extLst>
           </a:blip>
-          <a:stretch>
-            <a:fillRect/>
-          </a:stretch>
+          <a:srcRect/>
+          <a:stretch/>
         </p:blipFill>
         <p:spPr>
           <a:xfrm>
